--- a/Rapport et PPP/PPP_G_B.pptx
+++ b/Rapport et PPP/PPP_G_B.pptx
@@ -137,6 +137,22 @@
       </a:defRPr>
     </a:lvl9pPr>
   </p:defaultTextStyle>
+  <p:extLst>
+    <p:ext uri="{EFAFB233-063F-42B5-8137-9DF3F51BA10A}">
+      <p15:sldGuideLst xmlns:p15="http://schemas.microsoft.com/office/powerpoint/2012/main">
+        <p15:guide id="1" orient="horz" pos="2160">
+          <p15:clr>
+            <a:srgbClr val="A4A3A4"/>
+          </p15:clr>
+        </p15:guide>
+        <p15:guide id="2" pos="2880">
+          <p15:clr>
+            <a:srgbClr val="A4A3A4"/>
+          </p15:clr>
+        </p15:guide>
+      </p15:sldGuideLst>
+    </p:ext>
+  </p:extLst>
 </p:presentation>
 </file>
 
@@ -222,7 +238,7 @@
           <a:p>
             <a:fld id="{A1F0A630-27A9-4092-B8C0-4AF717B4FAAB}" type="datetimeFigureOut">
               <a:rPr lang="fr-FR" smtClean="0"/>
-              <a:t>27/04/2017</a:t>
+              <a:t>28/04/2017</a:t>
             </a:fld>
             <a:endParaRPr lang="fr-FR"/>
           </a:p>
@@ -390,6 +406,11 @@
         </p:txBody>
       </p:sp>
     </p:spTree>
+    <p:extLst>
+      <p:ext uri="{BB962C8B-B14F-4D97-AF65-F5344CB8AC3E}">
+        <p14:creationId xmlns:p14="http://schemas.microsoft.com/office/powerpoint/2010/main" val="2684674370"/>
+      </p:ext>
+    </p:extLst>
   </p:cSld>
   <p:clrMap bg1="lt1" tx1="dk1" bg2="lt2" tx2="dk2" accent1="accent1" accent2="accent2" accent3="accent3" accent4="accent4" accent5="accent5" accent6="accent6" hlink="hlink" folHlink="folHlink"/>
   <p:notesStyle>
@@ -561,6 +582,11 @@
         </p:txBody>
       </p:sp>
     </p:spTree>
+    <p:extLst>
+      <p:ext uri="{BB962C8B-B14F-4D97-AF65-F5344CB8AC3E}">
+        <p14:creationId xmlns:p14="http://schemas.microsoft.com/office/powerpoint/2010/main" val="24615361"/>
+      </p:ext>
+    </p:extLst>
   </p:cSld>
   <p:clrMapOvr>
     <a:masterClrMapping/>
@@ -756,6 +782,11 @@
         </p:txBody>
       </p:sp>
     </p:spTree>
+    <p:extLst>
+      <p:ext uri="{BB962C8B-B14F-4D97-AF65-F5344CB8AC3E}">
+        <p14:creationId xmlns:p14="http://schemas.microsoft.com/office/powerpoint/2010/main" val="1505187371"/>
+      </p:ext>
+    </p:extLst>
   </p:cSld>
   <p:clrMapOvr>
     <a:masterClrMapping/>
@@ -1069,7 +1100,7 @@
           <a:p>
             <a:fld id="{F3906069-2497-4AA5-A604-D09A49BBB3CB}" type="datetimeFigureOut">
               <a:rPr lang="fr-FR" smtClean="0"/>
-              <a:t>27/04/2017</a:t>
+              <a:t>28/04/2017</a:t>
             </a:fld>
             <a:endParaRPr lang="fr-FR"/>
           </a:p>
@@ -1254,7 +1285,7 @@
           <a:p>
             <a:fld id="{F3906069-2497-4AA5-A604-D09A49BBB3CB}" type="datetimeFigureOut">
               <a:rPr lang="fr-FR" smtClean="0"/>
-              <a:t>27/04/2017</a:t>
+              <a:t>28/04/2017</a:t>
             </a:fld>
             <a:endParaRPr lang="fr-FR"/>
           </a:p>
@@ -1439,7 +1470,7 @@
           <a:p>
             <a:fld id="{F3906069-2497-4AA5-A604-D09A49BBB3CB}" type="datetimeFigureOut">
               <a:rPr lang="fr-FR" smtClean="0"/>
-              <a:t>27/04/2017</a:t>
+              <a:t>28/04/2017</a:t>
             </a:fld>
             <a:endParaRPr lang="fr-FR"/>
           </a:p>
@@ -1624,7 +1655,7 @@
           <a:p>
             <a:fld id="{F3906069-2497-4AA5-A604-D09A49BBB3CB}" type="datetimeFigureOut">
               <a:rPr lang="fr-FR" smtClean="0"/>
-              <a:t>27/04/2017</a:t>
+              <a:t>28/04/2017</a:t>
             </a:fld>
             <a:endParaRPr lang="fr-FR"/>
           </a:p>
@@ -2005,7 +2036,7 @@
           <a:p>
             <a:fld id="{F3906069-2497-4AA5-A604-D09A49BBB3CB}" type="datetimeFigureOut">
               <a:rPr lang="fr-FR" smtClean="0"/>
-              <a:t>27/04/2017</a:t>
+              <a:t>28/04/2017</a:t>
             </a:fld>
             <a:endParaRPr lang="fr-FR"/>
           </a:p>
@@ -2274,7 +2305,7 @@
           <a:p>
             <a:fld id="{F3906069-2497-4AA5-A604-D09A49BBB3CB}" type="datetimeFigureOut">
               <a:rPr lang="fr-FR" smtClean="0"/>
-              <a:t>27/04/2017</a:t>
+              <a:t>28/04/2017</a:t>
             </a:fld>
             <a:endParaRPr lang="fr-FR"/>
           </a:p>
@@ -2659,7 +2690,7 @@
           <a:p>
             <a:fld id="{F3906069-2497-4AA5-A604-D09A49BBB3CB}" type="datetimeFigureOut">
               <a:rPr lang="fr-FR" smtClean="0"/>
-              <a:t>27/04/2017</a:t>
+              <a:t>28/04/2017</a:t>
             </a:fld>
             <a:endParaRPr lang="fr-FR"/>
           </a:p>
@@ -2780,7 +2811,7 @@
           <a:p>
             <a:fld id="{F3906069-2497-4AA5-A604-D09A49BBB3CB}" type="datetimeFigureOut">
               <a:rPr lang="fr-FR" smtClean="0"/>
-              <a:t>27/04/2017</a:t>
+              <a:t>28/04/2017</a:t>
             </a:fld>
             <a:endParaRPr lang="fr-FR"/>
           </a:p>
@@ -2960,7 +2991,7 @@
           <a:p>
             <a:fld id="{F3906069-2497-4AA5-A604-D09A49BBB3CB}" type="datetimeFigureOut">
               <a:rPr lang="fr-FR" smtClean="0"/>
-              <a:t>27/04/2017</a:t>
+              <a:t>28/04/2017</a:t>
             </a:fld>
             <a:endParaRPr lang="fr-FR"/>
           </a:p>
@@ -3294,7 +3325,7 @@
           <a:p>
             <a:fld id="{F3906069-2497-4AA5-A604-D09A49BBB3CB}" type="datetimeFigureOut">
               <a:rPr lang="fr-FR" smtClean="0"/>
-              <a:t>27/04/2017</a:t>
+              <a:t>28/04/2017</a:t>
             </a:fld>
             <a:endParaRPr lang="fr-FR"/>
           </a:p>
@@ -3663,7 +3694,7 @@
           <a:p>
             <a:fld id="{F3906069-2497-4AA5-A604-D09A49BBB3CB}" type="datetimeFigureOut">
               <a:rPr lang="fr-FR" smtClean="0"/>
-              <a:t>27/04/2017</a:t>
+              <a:t>28/04/2017</a:t>
             </a:fld>
             <a:endParaRPr lang="fr-FR"/>
           </a:p>
@@ -4081,7 +4112,7 @@
           <a:p>
             <a:fld id="{F3906069-2497-4AA5-A604-D09A49BBB3CB}" type="datetimeFigureOut">
               <a:rPr lang="fr-FR" smtClean="0"/>
-              <a:t>27/04/2017</a:t>
+              <a:t>28/04/2017</a:t>
             </a:fld>
             <a:endParaRPr lang="fr-FR"/>
           </a:p>
@@ -4658,11 +4689,7 @@
           <a:p>
             <a:r>
               <a:rPr lang="fr-FR" dirty="0" smtClean="0"/>
-              <a:t>Diagramme de séquence </a:t>
-            </a:r>
-            <a:r>
-              <a:rPr lang="fr-FR" dirty="0" smtClean="0"/>
-              <a:t>(6)</a:t>
+              <a:t>Diagramme de séquence (6)</a:t>
             </a:r>
             <a:endParaRPr lang="fr-FR" dirty="0"/>
           </a:p>
@@ -4740,11 +4767,7 @@
           <a:p>
             <a:r>
               <a:rPr lang="fr-FR" dirty="0" smtClean="0"/>
-              <a:t>Diagramme de séquence </a:t>
-            </a:r>
-            <a:r>
-              <a:rPr lang="fr-FR" dirty="0" smtClean="0"/>
-              <a:t>(7)</a:t>
+              <a:t>Diagramme de séquence (7)</a:t>
             </a:r>
             <a:endParaRPr lang="fr-FR" dirty="0"/>
           </a:p>
@@ -4822,11 +4845,7 @@
           <a:p>
             <a:r>
               <a:rPr lang="fr-FR" dirty="0" smtClean="0"/>
-              <a:t>Diagramme de séquence </a:t>
-            </a:r>
-            <a:r>
-              <a:rPr lang="fr-FR" dirty="0" smtClean="0"/>
-              <a:t>(8)</a:t>
+              <a:t>Diagramme de séquence (8)</a:t>
             </a:r>
             <a:endParaRPr lang="fr-FR" dirty="0"/>
           </a:p>
@@ -4982,11 +5001,7 @@
           <a:p>
             <a:r>
               <a:rPr lang="fr-FR" dirty="0" smtClean="0"/>
-              <a:t>Fenêtre du programme </a:t>
-            </a:r>
-            <a:r>
-              <a:rPr lang="fr-FR" dirty="0" smtClean="0"/>
-              <a:t>(2)</a:t>
+              <a:t>Fenêtre du programme (2)</a:t>
             </a:r>
             <a:endParaRPr lang="fr-FR" dirty="0"/>
           </a:p>
@@ -5064,11 +5079,7 @@
           <a:p>
             <a:r>
               <a:rPr lang="fr-FR" dirty="0" smtClean="0"/>
-              <a:t>Fenêtre du programme </a:t>
-            </a:r>
-            <a:r>
-              <a:rPr lang="fr-FR" dirty="0" smtClean="0"/>
-              <a:t>(3)</a:t>
+              <a:t>Fenêtre du programme (3)</a:t>
             </a:r>
             <a:endParaRPr lang="fr-FR" dirty="0"/>
           </a:p>
@@ -5146,11 +5157,7 @@
           <a:p>
             <a:r>
               <a:rPr lang="fr-FR" dirty="0" smtClean="0"/>
-              <a:t>Fenêtre du programme </a:t>
-            </a:r>
-            <a:r>
-              <a:rPr lang="fr-FR" dirty="0" smtClean="0"/>
-              <a:t>(4)</a:t>
+              <a:t>Fenêtre du programme (4)</a:t>
             </a:r>
             <a:endParaRPr lang="fr-FR" dirty="0"/>
           </a:p>
@@ -5228,11 +5235,7 @@
           <a:p>
             <a:r>
               <a:rPr lang="fr-FR" dirty="0" smtClean="0"/>
-              <a:t>Fenêtre du programme </a:t>
-            </a:r>
-            <a:r>
-              <a:rPr lang="fr-FR" dirty="0" smtClean="0"/>
-              <a:t>(5)</a:t>
+              <a:t>Fenêtre du programme (5)</a:t>
             </a:r>
             <a:endParaRPr lang="fr-FR" dirty="0"/>
           </a:p>
@@ -5310,11 +5313,7 @@
           <a:p>
             <a:r>
               <a:rPr lang="fr-FR" dirty="0" smtClean="0"/>
-              <a:t>Fenêtre du programme </a:t>
-            </a:r>
-            <a:r>
-              <a:rPr lang="fr-FR" dirty="0" smtClean="0"/>
-              <a:t>(6)</a:t>
+              <a:t>Fenêtre du programme (6)</a:t>
             </a:r>
             <a:endParaRPr lang="fr-FR" dirty="0"/>
           </a:p>
@@ -5392,11 +5391,7 @@
           <a:p>
             <a:r>
               <a:rPr lang="fr-FR" dirty="0" smtClean="0"/>
-              <a:t>Fenêtre du programme </a:t>
-            </a:r>
-            <a:r>
-              <a:rPr lang="fr-FR" dirty="0" smtClean="0"/>
-              <a:t>(7)</a:t>
+              <a:t>Fenêtre du programme (7)</a:t>
             </a:r>
             <a:endParaRPr lang="fr-FR" dirty="0"/>
           </a:p>
@@ -5511,8 +5506,13 @@
             </a:pPr>
             <a:r>
               <a:rPr lang="fr-FR" dirty="0" smtClean="0"/>
-              <a:t>Diagramme d’activité</a:t>
-            </a:r>
+              <a:t>Diagramme </a:t>
+            </a:r>
+            <a:r>
+              <a:rPr lang="fr-FR" dirty="0" smtClean="0"/>
+              <a:t>de cas d’utilisation</a:t>
+            </a:r>
+            <a:endParaRPr lang="fr-FR" dirty="0" smtClean="0"/>
           </a:p>
           <a:p>
             <a:pPr lvl="2">
@@ -5625,11 +5625,7 @@
           <a:p>
             <a:r>
               <a:rPr lang="fr-FR" dirty="0" smtClean="0"/>
-              <a:t>Fenêtre du programme </a:t>
-            </a:r>
-            <a:r>
-              <a:rPr lang="fr-FR" dirty="0" smtClean="0"/>
-              <a:t>(8)</a:t>
+              <a:t>Fenêtre du programme (8)</a:t>
             </a:r>
             <a:endParaRPr lang="fr-FR" dirty="0"/>
           </a:p>
@@ -5707,11 +5703,7 @@
           <a:p>
             <a:r>
               <a:rPr lang="fr-FR" dirty="0" smtClean="0"/>
-              <a:t>Fenêtre du programme </a:t>
-            </a:r>
-            <a:r>
-              <a:rPr lang="fr-FR" dirty="0" smtClean="0"/>
-              <a:t>(9)</a:t>
+              <a:t>Fenêtre du programme (9)</a:t>
             </a:r>
             <a:endParaRPr lang="fr-FR" dirty="0"/>
           </a:p>
@@ -5867,11 +5859,7 @@
           <a:p>
             <a:r>
               <a:rPr lang="fr-FR" dirty="0" smtClean="0"/>
-              <a:t>La Base de </a:t>
-            </a:r>
-            <a:r>
-              <a:rPr lang="fr-FR" dirty="0" smtClean="0"/>
-              <a:t>données (2)</a:t>
+              <a:t>La Base de données (2)</a:t>
             </a:r>
             <a:endParaRPr lang="fr-FR" dirty="0"/>
           </a:p>
@@ -5949,11 +5937,7 @@
           <a:p>
             <a:r>
               <a:rPr lang="fr-FR" dirty="0" smtClean="0"/>
-              <a:t>La Base de </a:t>
-            </a:r>
-            <a:r>
-              <a:rPr lang="fr-FR" dirty="0" smtClean="0"/>
-              <a:t>données (3)</a:t>
+              <a:t>La Base de données (3)</a:t>
             </a:r>
             <a:endParaRPr lang="fr-FR" dirty="0"/>
           </a:p>
@@ -6031,11 +6015,7 @@
           <a:p>
             <a:r>
               <a:rPr lang="fr-FR" dirty="0" smtClean="0"/>
-              <a:t>La Base de données </a:t>
-            </a:r>
-            <a:r>
-              <a:rPr lang="fr-FR" dirty="0" smtClean="0"/>
-              <a:t>(4)</a:t>
+              <a:t>La Base de données (4)</a:t>
             </a:r>
             <a:endParaRPr lang="fr-FR" dirty="0"/>
           </a:p>
@@ -6113,11 +6093,7 @@
           <a:p>
             <a:r>
               <a:rPr lang="fr-FR" dirty="0" smtClean="0"/>
-              <a:t>La Base de données </a:t>
-            </a:r>
-            <a:r>
-              <a:rPr lang="fr-FR" dirty="0" smtClean="0"/>
-              <a:t>(5)</a:t>
+              <a:t>La Base de données (5)</a:t>
             </a:r>
             <a:endParaRPr lang="fr-FR" dirty="0"/>
           </a:p>
@@ -6195,11 +6171,7 @@
           <a:p>
             <a:r>
               <a:rPr lang="fr-FR" dirty="0" smtClean="0"/>
-              <a:t>La Base de données </a:t>
-            </a:r>
-            <a:r>
-              <a:rPr lang="fr-FR" dirty="0" smtClean="0"/>
-              <a:t>(6)</a:t>
+              <a:t>La Base de données (6)</a:t>
             </a:r>
             <a:endParaRPr lang="fr-FR" dirty="0"/>
           </a:p>
@@ -6277,11 +6249,7 @@
           <a:p>
             <a:r>
               <a:rPr lang="fr-FR" dirty="0" smtClean="0"/>
-              <a:t>La Base de données </a:t>
-            </a:r>
-            <a:r>
-              <a:rPr lang="fr-FR" dirty="0" smtClean="0"/>
-              <a:t>(7)</a:t>
+              <a:t>La Base de données (7)</a:t>
             </a:r>
             <a:endParaRPr lang="fr-FR" dirty="0"/>
           </a:p>
@@ -6461,7 +6429,15 @@
           <a:p>
             <a:r>
               <a:rPr lang="fr-FR" dirty="0" smtClean="0"/>
-              <a:t>Diagramme d’activité</a:t>
+              <a:t>Diagramme </a:t>
+            </a:r>
+            <a:r>
+              <a:rPr lang="fr-FR" dirty="0" smtClean="0"/>
+              <a:t>de </a:t>
+            </a:r>
+            <a:r>
+              <a:rPr lang="fr-FR" smtClean="0"/>
+              <a:t>cas d’utilisation</a:t>
             </a:r>
             <a:endParaRPr lang="fr-FR" dirty="0"/>
           </a:p>
@@ -6539,11 +6515,7 @@
           <a:p>
             <a:r>
               <a:rPr lang="fr-FR" dirty="0" smtClean="0"/>
-              <a:t>Petit passage dans le </a:t>
-            </a:r>
-            <a:r>
-              <a:rPr lang="fr-FR" dirty="0" smtClean="0"/>
-              <a:t>code (2)</a:t>
+              <a:t>Petit passage dans le code (2)</a:t>
             </a:r>
             <a:endParaRPr lang="fr-FR" dirty="0"/>
           </a:p>
@@ -6933,11 +6905,7 @@
           <a:p>
             <a:r>
               <a:rPr lang="fr-FR" dirty="0" smtClean="0"/>
-              <a:t>Diagramme de séquence </a:t>
-            </a:r>
-            <a:r>
-              <a:rPr lang="fr-FR" dirty="0" smtClean="0"/>
-              <a:t>(3)</a:t>
+              <a:t>Diagramme de séquence (3)</a:t>
             </a:r>
             <a:endParaRPr lang="fr-FR" dirty="0"/>
           </a:p>
@@ -7015,11 +6983,7 @@
           <a:p>
             <a:r>
               <a:rPr lang="fr-FR" dirty="0" smtClean="0"/>
-              <a:t>Diagramme de séquence </a:t>
-            </a:r>
-            <a:r>
-              <a:rPr lang="fr-FR" dirty="0" smtClean="0"/>
-              <a:t>(4)</a:t>
+              <a:t>Diagramme de séquence (4)</a:t>
             </a:r>
             <a:endParaRPr lang="fr-FR" dirty="0"/>
           </a:p>
@@ -7097,11 +7061,7 @@
           <a:p>
             <a:r>
               <a:rPr lang="fr-FR" dirty="0" smtClean="0"/>
-              <a:t>Diagramme de séquence </a:t>
-            </a:r>
-            <a:r>
-              <a:rPr lang="fr-FR" dirty="0" smtClean="0"/>
-              <a:t>(5)</a:t>
+              <a:t>Diagramme de séquence (5)</a:t>
             </a:r>
             <a:endParaRPr lang="fr-FR" dirty="0"/>
           </a:p>
